--- a/images/theory_analysis/Elasticsearch_Data_Management/Elasticsearch_Data_Management.pptx
+++ b/images/theory_analysis/Elasticsearch_Data_Management/Elasticsearch_Data_Management.pptx
@@ -5,11 +5,12 @@
     <p:sldMasterId id="2147483648" r:id="rId1"/>
   </p:sldMasterIdLst>
   <p:notesMasterIdLst>
-    <p:notesMasterId r:id="rId4"/>
+    <p:notesMasterId r:id="rId5"/>
   </p:notesMasterIdLst>
   <p:sldIdLst>
     <p:sldId id="362" r:id="rId2"/>
-    <p:sldId id="363" r:id="rId3"/>
+    <p:sldId id="364" r:id="rId3"/>
+    <p:sldId id="363" r:id="rId4"/>
   </p:sldIdLst>
   <p:sldSz cx="9144000" cy="5143500" type="screen16x9"/>
   <p:notesSz cx="6858000" cy="9144000"/>
@@ -214,7 +215,7 @@
           <a:p>
             <a:fld id="{6CD5550B-26C4-49A9-A5BA-636EF7BE6CE9}" type="datetimeFigureOut">
               <a:rPr lang="ko-KR" altLang="en-US" smtClean="0"/>
-              <a:t>2020-05-05</a:t>
+              <a:t>2020-05-06</a:t>
             </a:fld>
             <a:endParaRPr lang="ko-KR" altLang="en-US"/>
           </a:p>
@@ -660,7 +661,7 @@
           <a:p>
             <a:fld id="{FB30EDBD-1C2D-4C1E-B459-B60219FAB484}" type="datetimeFigureOut">
               <a:rPr lang="ko-KR" altLang="en-US" smtClean="0"/>
-              <a:t>2020-05-05</a:t>
+              <a:t>2020-05-06</a:t>
             </a:fld>
             <a:endParaRPr lang="ko-KR" altLang="en-US"/>
           </a:p>
@@ -823,7 +824,7 @@
           <a:p>
             <a:fld id="{FB30EDBD-1C2D-4C1E-B459-B60219FAB484}" type="datetimeFigureOut">
               <a:rPr lang="ko-KR" altLang="en-US" smtClean="0"/>
-              <a:t>2020-05-05</a:t>
+              <a:t>2020-05-06</a:t>
             </a:fld>
             <a:endParaRPr lang="ko-KR" altLang="en-US"/>
           </a:p>
@@ -996,7 +997,7 @@
           <a:p>
             <a:fld id="{FB30EDBD-1C2D-4C1E-B459-B60219FAB484}" type="datetimeFigureOut">
               <a:rPr lang="ko-KR" altLang="en-US" smtClean="0"/>
-              <a:t>2020-05-05</a:t>
+              <a:t>2020-05-06</a:t>
             </a:fld>
             <a:endParaRPr lang="ko-KR" altLang="en-US"/>
           </a:p>
@@ -1159,7 +1160,7 @@
           <a:p>
             <a:fld id="{FB30EDBD-1C2D-4C1E-B459-B60219FAB484}" type="datetimeFigureOut">
               <a:rPr lang="ko-KR" altLang="en-US" smtClean="0"/>
-              <a:t>2020-05-05</a:t>
+              <a:t>2020-05-06</a:t>
             </a:fld>
             <a:endParaRPr lang="ko-KR" altLang="en-US"/>
           </a:p>
@@ -1399,7 +1400,7 @@
           <a:p>
             <a:fld id="{FB30EDBD-1C2D-4C1E-B459-B60219FAB484}" type="datetimeFigureOut">
               <a:rPr lang="ko-KR" altLang="en-US" smtClean="0"/>
-              <a:t>2020-05-05</a:t>
+              <a:t>2020-05-06</a:t>
             </a:fld>
             <a:endParaRPr lang="ko-KR" altLang="en-US"/>
           </a:p>
@@ -1679,7 +1680,7 @@
           <a:p>
             <a:fld id="{FB30EDBD-1C2D-4C1E-B459-B60219FAB484}" type="datetimeFigureOut">
               <a:rPr lang="ko-KR" altLang="en-US" smtClean="0"/>
-              <a:t>2020-05-05</a:t>
+              <a:t>2020-05-06</a:t>
             </a:fld>
             <a:endParaRPr lang="ko-KR" altLang="en-US"/>
           </a:p>
@@ -2093,7 +2094,7 @@
           <a:p>
             <a:fld id="{FB30EDBD-1C2D-4C1E-B459-B60219FAB484}" type="datetimeFigureOut">
               <a:rPr lang="ko-KR" altLang="en-US" smtClean="0"/>
-              <a:t>2020-05-05</a:t>
+              <a:t>2020-05-06</a:t>
             </a:fld>
             <a:endParaRPr lang="ko-KR" altLang="en-US"/>
           </a:p>
@@ -2205,7 +2206,7 @@
           <a:p>
             <a:fld id="{FB30EDBD-1C2D-4C1E-B459-B60219FAB484}" type="datetimeFigureOut">
               <a:rPr lang="ko-KR" altLang="en-US" smtClean="0"/>
-              <a:t>2020-05-05</a:t>
+              <a:t>2020-05-06</a:t>
             </a:fld>
             <a:endParaRPr lang="ko-KR" altLang="en-US"/>
           </a:p>
@@ -2295,7 +2296,7 @@
           <a:p>
             <a:fld id="{FB30EDBD-1C2D-4C1E-B459-B60219FAB484}" type="datetimeFigureOut">
               <a:rPr lang="ko-KR" altLang="en-US" smtClean="0"/>
-              <a:t>2020-05-05</a:t>
+              <a:t>2020-05-06</a:t>
             </a:fld>
             <a:endParaRPr lang="ko-KR" altLang="en-US"/>
           </a:p>
@@ -2565,7 +2566,7 @@
           <a:p>
             <a:fld id="{FB30EDBD-1C2D-4C1E-B459-B60219FAB484}" type="datetimeFigureOut">
               <a:rPr lang="ko-KR" altLang="en-US" smtClean="0"/>
-              <a:t>2020-05-05</a:t>
+              <a:t>2020-05-06</a:t>
             </a:fld>
             <a:endParaRPr lang="ko-KR" altLang="en-US"/>
           </a:p>
@@ -2812,7 +2813,7 @@
           <a:p>
             <a:fld id="{FB30EDBD-1C2D-4C1E-B459-B60219FAB484}" type="datetimeFigureOut">
               <a:rPr lang="ko-KR" altLang="en-US" smtClean="0"/>
-              <a:t>2020-05-05</a:t>
+              <a:t>2020-05-06</a:t>
             </a:fld>
             <a:endParaRPr lang="ko-KR" altLang="en-US"/>
           </a:p>
@@ -3018,7 +3019,7 @@
           <a:p>
             <a:fld id="{FB30EDBD-1C2D-4C1E-B459-B60219FAB484}" type="datetimeFigureOut">
               <a:rPr lang="ko-KR" altLang="en-US" smtClean="0"/>
-              <a:t>2020-05-05</a:t>
+              <a:t>2020-05-06</a:t>
             </a:fld>
             <a:endParaRPr lang="ko-KR" altLang="en-US"/>
           </a:p>
@@ -4144,6 +4145,2088 @@
 </file>
 
 <file path=ppt/slides/slide2.xml><?xml version="1.0" encoding="utf-8"?>
+<p:sld xmlns:a="http://schemas.openxmlformats.org/drawingml/2006/main" xmlns:r="http://schemas.openxmlformats.org/officeDocument/2006/relationships" xmlns:p="http://schemas.openxmlformats.org/presentationml/2006/main">
+  <p:cSld>
+    <p:spTree>
+      <p:nvGrpSpPr>
+        <p:cNvPr id="1" name=""/>
+        <p:cNvGrpSpPr/>
+        <p:nvPr/>
+      </p:nvGrpSpPr>
+      <p:grpSpPr>
+        <a:xfrm>
+          <a:off x="0" y="0"/>
+          <a:ext cx="0" cy="0"/>
+          <a:chOff x="0" y="0"/>
+          <a:chExt cx="0" cy="0"/>
+        </a:xfrm>
+      </p:grpSpPr>
+      <p:sp>
+        <p:nvSpPr>
+          <p:cNvPr id="2" name="제목 1">
+            <a:extLst>
+              <a:ext uri="{FF2B5EF4-FFF2-40B4-BE49-F238E27FC236}">
+                <a16:creationId xmlns:a16="http://schemas.microsoft.com/office/drawing/2014/main" id="{ACF342D6-DC59-400E-A435-E90C225B2F04}"/>
+              </a:ext>
+            </a:extLst>
+          </p:cNvPr>
+          <p:cNvSpPr>
+            <a:spLocks noGrp="1"/>
+          </p:cNvSpPr>
+          <p:nvPr>
+            <p:ph type="title"/>
+          </p:nvPr>
+        </p:nvSpPr>
+        <p:spPr>
+          <a:xfrm>
+            <a:off x="457200" y="-20538"/>
+            <a:ext cx="8229600" cy="857250"/>
+          </a:xfrm>
+        </p:spPr>
+        <p:txBody>
+          <a:bodyPr/>
+          <a:lstStyle/>
+          <a:p>
+            <a:r>
+              <a:rPr lang="en-US" altLang="ko-KR"/>
+              <a:t>Shard, Replica</a:t>
+            </a:r>
+            <a:endParaRPr lang="ko-KR" altLang="en-US"/>
+          </a:p>
+        </p:txBody>
+      </p:sp>
+      <p:sp>
+        <p:nvSpPr>
+          <p:cNvPr id="17" name="사각형: 둥근 모서리 16">
+            <a:extLst>
+              <a:ext uri="{FF2B5EF4-FFF2-40B4-BE49-F238E27FC236}">
+                <a16:creationId xmlns:a16="http://schemas.microsoft.com/office/drawing/2014/main" id="{742867E3-B78D-4008-99DB-3F2155283B69}"/>
+              </a:ext>
+            </a:extLst>
+          </p:cNvPr>
+          <p:cNvSpPr/>
+          <p:nvPr/>
+        </p:nvSpPr>
+        <p:spPr>
+          <a:xfrm>
+            <a:off x="1115616" y="915566"/>
+            <a:ext cx="1600178" cy="1440160"/>
+          </a:xfrm>
+          <a:prstGeom prst="roundRect">
+            <a:avLst>
+              <a:gd name="adj" fmla="val 5156"/>
+            </a:avLst>
+          </a:prstGeom>
+        </p:spPr>
+        <p:style>
+          <a:lnRef idx="2">
+            <a:schemeClr val="dk1"/>
+          </a:lnRef>
+          <a:fillRef idx="1">
+            <a:schemeClr val="lt1"/>
+          </a:fillRef>
+          <a:effectRef idx="0">
+            <a:schemeClr val="dk1"/>
+          </a:effectRef>
+          <a:fontRef idx="minor">
+            <a:schemeClr val="dk1"/>
+          </a:fontRef>
+        </p:style>
+        <p:txBody>
+          <a:bodyPr rtlCol="0" anchor="b"/>
+          <a:lstStyle/>
+          <a:p>
+            <a:pPr algn="ctr"/>
+            <a:r>
+              <a:rPr lang="en-US" altLang="ko-KR" sz="1400"/>
+              <a:t>Data Node A</a:t>
+            </a:r>
+            <a:endParaRPr lang="ko-KR" altLang="en-US" sz="1400"/>
+          </a:p>
+        </p:txBody>
+      </p:sp>
+      <p:sp>
+        <p:nvSpPr>
+          <p:cNvPr id="19" name="사각형: 둥근 모서리 18">
+            <a:extLst>
+              <a:ext uri="{FF2B5EF4-FFF2-40B4-BE49-F238E27FC236}">
+                <a16:creationId xmlns:a16="http://schemas.microsoft.com/office/drawing/2014/main" id="{03FCE47E-DA64-4315-ABE5-0BAC6F3BD6A4}"/>
+              </a:ext>
+            </a:extLst>
+          </p:cNvPr>
+          <p:cNvSpPr/>
+          <p:nvPr/>
+        </p:nvSpPr>
+        <p:spPr>
+          <a:xfrm>
+            <a:off x="1263387" y="1059582"/>
+            <a:ext cx="360040" cy="353194"/>
+          </a:xfrm>
+          <a:prstGeom prst="roundRect">
+            <a:avLst>
+              <a:gd name="adj" fmla="val 10183"/>
+            </a:avLst>
+          </a:prstGeom>
+          <a:ln>
+            <a:solidFill>
+              <a:srgbClr val="C00000"/>
+            </a:solidFill>
+          </a:ln>
+        </p:spPr>
+        <p:style>
+          <a:lnRef idx="2">
+            <a:schemeClr val="dk1"/>
+          </a:lnRef>
+          <a:fillRef idx="1">
+            <a:schemeClr val="lt1"/>
+          </a:fillRef>
+          <a:effectRef idx="0">
+            <a:schemeClr val="dk1"/>
+          </a:effectRef>
+          <a:fontRef idx="minor">
+            <a:schemeClr val="dk1"/>
+          </a:fontRef>
+        </p:style>
+        <p:txBody>
+          <a:bodyPr rtlCol="0" anchor="ctr"/>
+          <a:lstStyle/>
+          <a:p>
+            <a:pPr algn="ctr"/>
+            <a:r>
+              <a:rPr lang="en-US" altLang="ko-KR" sz="1400"/>
+              <a:t>0</a:t>
+            </a:r>
+            <a:endParaRPr lang="ko-KR" altLang="en-US" sz="1400"/>
+          </a:p>
+        </p:txBody>
+      </p:sp>
+      <p:sp>
+        <p:nvSpPr>
+          <p:cNvPr id="20" name="사각형: 둥근 모서리 19">
+            <a:extLst>
+              <a:ext uri="{FF2B5EF4-FFF2-40B4-BE49-F238E27FC236}">
+                <a16:creationId xmlns:a16="http://schemas.microsoft.com/office/drawing/2014/main" id="{1DA05802-A444-4E79-B69F-BC0992B3B48E}"/>
+              </a:ext>
+            </a:extLst>
+          </p:cNvPr>
+          <p:cNvSpPr/>
+          <p:nvPr/>
+        </p:nvSpPr>
+        <p:spPr>
+          <a:xfrm>
+            <a:off x="1753441" y="1059582"/>
+            <a:ext cx="360040" cy="353194"/>
+          </a:xfrm>
+          <a:prstGeom prst="roundRect">
+            <a:avLst>
+              <a:gd name="adj" fmla="val 10183"/>
+            </a:avLst>
+          </a:prstGeom>
+          <a:ln>
+            <a:solidFill>
+              <a:schemeClr val="tx2"/>
+            </a:solidFill>
+          </a:ln>
+        </p:spPr>
+        <p:style>
+          <a:lnRef idx="2">
+            <a:schemeClr val="dk1"/>
+          </a:lnRef>
+          <a:fillRef idx="1">
+            <a:schemeClr val="lt1"/>
+          </a:fillRef>
+          <a:effectRef idx="0">
+            <a:schemeClr val="dk1"/>
+          </a:effectRef>
+          <a:fontRef idx="minor">
+            <a:schemeClr val="dk1"/>
+          </a:fontRef>
+        </p:style>
+        <p:txBody>
+          <a:bodyPr rtlCol="0" anchor="ctr"/>
+          <a:lstStyle/>
+          <a:p>
+            <a:pPr algn="ctr"/>
+            <a:r>
+              <a:rPr lang="en-US" altLang="ko-KR" sz="1400"/>
+              <a:t>3</a:t>
+            </a:r>
+            <a:endParaRPr lang="ko-KR" altLang="en-US" sz="1400"/>
+          </a:p>
+        </p:txBody>
+      </p:sp>
+      <p:sp>
+        <p:nvSpPr>
+          <p:cNvPr id="21" name="사각형: 둥근 모서리 20">
+            <a:extLst>
+              <a:ext uri="{FF2B5EF4-FFF2-40B4-BE49-F238E27FC236}">
+                <a16:creationId xmlns:a16="http://schemas.microsoft.com/office/drawing/2014/main" id="{E4B83503-B3C5-459B-A386-B7E115E42F40}"/>
+              </a:ext>
+            </a:extLst>
+          </p:cNvPr>
+          <p:cNvSpPr/>
+          <p:nvPr/>
+        </p:nvSpPr>
+        <p:spPr>
+          <a:xfrm>
+            <a:off x="2218825" y="1059582"/>
+            <a:ext cx="360040" cy="353194"/>
+          </a:xfrm>
+          <a:prstGeom prst="roundRect">
+            <a:avLst>
+              <a:gd name="adj" fmla="val 10183"/>
+            </a:avLst>
+          </a:prstGeom>
+          <a:ln>
+            <a:solidFill>
+              <a:schemeClr val="tx2"/>
+            </a:solidFill>
+          </a:ln>
+        </p:spPr>
+        <p:style>
+          <a:lnRef idx="2">
+            <a:schemeClr val="dk1"/>
+          </a:lnRef>
+          <a:fillRef idx="1">
+            <a:schemeClr val="lt1"/>
+          </a:fillRef>
+          <a:effectRef idx="0">
+            <a:schemeClr val="dk1"/>
+          </a:effectRef>
+          <a:fontRef idx="minor">
+            <a:schemeClr val="dk1"/>
+          </a:fontRef>
+        </p:style>
+        <p:txBody>
+          <a:bodyPr rtlCol="0" anchor="ctr"/>
+          <a:lstStyle/>
+          <a:p>
+            <a:pPr algn="ctr"/>
+            <a:r>
+              <a:rPr lang="en-US" altLang="ko-KR" sz="1400"/>
+              <a:t>2</a:t>
+            </a:r>
+            <a:endParaRPr lang="ko-KR" altLang="en-US" sz="1400"/>
+          </a:p>
+        </p:txBody>
+      </p:sp>
+      <p:sp>
+        <p:nvSpPr>
+          <p:cNvPr id="23" name="사각형: 둥근 모서리 22">
+            <a:extLst>
+              <a:ext uri="{FF2B5EF4-FFF2-40B4-BE49-F238E27FC236}">
+                <a16:creationId xmlns:a16="http://schemas.microsoft.com/office/drawing/2014/main" id="{62AB7E39-9797-4FCC-9427-8BD44C556298}"/>
+              </a:ext>
+            </a:extLst>
+          </p:cNvPr>
+          <p:cNvSpPr/>
+          <p:nvPr/>
+        </p:nvSpPr>
+        <p:spPr>
+          <a:xfrm>
+            <a:off x="2923817" y="915566"/>
+            <a:ext cx="1600178" cy="1440160"/>
+          </a:xfrm>
+          <a:prstGeom prst="roundRect">
+            <a:avLst>
+              <a:gd name="adj" fmla="val 5156"/>
+            </a:avLst>
+          </a:prstGeom>
+        </p:spPr>
+        <p:style>
+          <a:lnRef idx="2">
+            <a:schemeClr val="dk1"/>
+          </a:lnRef>
+          <a:fillRef idx="1">
+            <a:schemeClr val="lt1"/>
+          </a:fillRef>
+          <a:effectRef idx="0">
+            <a:schemeClr val="dk1"/>
+          </a:effectRef>
+          <a:fontRef idx="minor">
+            <a:schemeClr val="dk1"/>
+          </a:fontRef>
+        </p:style>
+        <p:txBody>
+          <a:bodyPr rtlCol="0" anchor="b"/>
+          <a:lstStyle/>
+          <a:p>
+            <a:pPr algn="ctr"/>
+            <a:r>
+              <a:rPr lang="en-US" altLang="ko-KR" sz="1400"/>
+              <a:t>Data Node B</a:t>
+            </a:r>
+            <a:endParaRPr lang="ko-KR" altLang="en-US" sz="1400"/>
+          </a:p>
+        </p:txBody>
+      </p:sp>
+      <p:sp>
+        <p:nvSpPr>
+          <p:cNvPr id="24" name="사각형: 둥근 모서리 23">
+            <a:extLst>
+              <a:ext uri="{FF2B5EF4-FFF2-40B4-BE49-F238E27FC236}">
+                <a16:creationId xmlns:a16="http://schemas.microsoft.com/office/drawing/2014/main" id="{92D1AFB3-A37D-4529-952D-071011F17327}"/>
+              </a:ext>
+            </a:extLst>
+          </p:cNvPr>
+          <p:cNvSpPr/>
+          <p:nvPr/>
+        </p:nvSpPr>
+        <p:spPr>
+          <a:xfrm>
+            <a:off x="3071588" y="1059582"/>
+            <a:ext cx="360040" cy="353194"/>
+          </a:xfrm>
+          <a:prstGeom prst="roundRect">
+            <a:avLst>
+              <a:gd name="adj" fmla="val 10183"/>
+            </a:avLst>
+          </a:prstGeom>
+          <a:ln>
+            <a:solidFill>
+              <a:schemeClr val="tx2"/>
+            </a:solidFill>
+          </a:ln>
+        </p:spPr>
+        <p:style>
+          <a:lnRef idx="2">
+            <a:schemeClr val="dk1"/>
+          </a:lnRef>
+          <a:fillRef idx="1">
+            <a:schemeClr val="lt1"/>
+          </a:fillRef>
+          <a:effectRef idx="0">
+            <a:schemeClr val="dk1"/>
+          </a:effectRef>
+          <a:fontRef idx="minor">
+            <a:schemeClr val="dk1"/>
+          </a:fontRef>
+        </p:style>
+        <p:txBody>
+          <a:bodyPr rtlCol="0" anchor="ctr"/>
+          <a:lstStyle/>
+          <a:p>
+            <a:pPr algn="ctr"/>
+            <a:r>
+              <a:rPr lang="en-US" altLang="ko-KR" sz="1400"/>
+              <a:t>0</a:t>
+            </a:r>
+            <a:endParaRPr lang="ko-KR" altLang="en-US" sz="1400"/>
+          </a:p>
+        </p:txBody>
+      </p:sp>
+      <p:sp>
+        <p:nvSpPr>
+          <p:cNvPr id="25" name="사각형: 둥근 모서리 24">
+            <a:extLst>
+              <a:ext uri="{FF2B5EF4-FFF2-40B4-BE49-F238E27FC236}">
+                <a16:creationId xmlns:a16="http://schemas.microsoft.com/office/drawing/2014/main" id="{CF7D5739-965A-41D1-9DC6-14D469BC4542}"/>
+              </a:ext>
+            </a:extLst>
+          </p:cNvPr>
+          <p:cNvSpPr/>
+          <p:nvPr/>
+        </p:nvSpPr>
+        <p:spPr>
+          <a:xfrm>
+            <a:off x="3561642" y="1059582"/>
+            <a:ext cx="360040" cy="353194"/>
+          </a:xfrm>
+          <a:prstGeom prst="roundRect">
+            <a:avLst>
+              <a:gd name="adj" fmla="val 10183"/>
+            </a:avLst>
+          </a:prstGeom>
+          <a:ln>
+            <a:solidFill>
+              <a:srgbClr val="C00000"/>
+            </a:solidFill>
+          </a:ln>
+        </p:spPr>
+        <p:style>
+          <a:lnRef idx="2">
+            <a:schemeClr val="dk1"/>
+          </a:lnRef>
+          <a:fillRef idx="1">
+            <a:schemeClr val="lt1"/>
+          </a:fillRef>
+          <a:effectRef idx="0">
+            <a:schemeClr val="dk1"/>
+          </a:effectRef>
+          <a:fontRef idx="minor">
+            <a:schemeClr val="dk1"/>
+          </a:fontRef>
+        </p:style>
+        <p:txBody>
+          <a:bodyPr rtlCol="0" anchor="ctr"/>
+          <a:lstStyle/>
+          <a:p>
+            <a:pPr algn="ctr"/>
+            <a:r>
+              <a:rPr lang="en-US" altLang="ko-KR" sz="1400"/>
+              <a:t>3</a:t>
+            </a:r>
+            <a:endParaRPr lang="ko-KR" altLang="en-US" sz="1400"/>
+          </a:p>
+        </p:txBody>
+      </p:sp>
+      <p:sp>
+        <p:nvSpPr>
+          <p:cNvPr id="26" name="사각형: 둥근 모서리 25">
+            <a:extLst>
+              <a:ext uri="{FF2B5EF4-FFF2-40B4-BE49-F238E27FC236}">
+                <a16:creationId xmlns:a16="http://schemas.microsoft.com/office/drawing/2014/main" id="{C740D984-6984-43C8-9207-C8F15EF019DC}"/>
+              </a:ext>
+            </a:extLst>
+          </p:cNvPr>
+          <p:cNvSpPr/>
+          <p:nvPr/>
+        </p:nvSpPr>
+        <p:spPr>
+          <a:xfrm>
+            <a:off x="4027026" y="1059582"/>
+            <a:ext cx="360040" cy="353194"/>
+          </a:xfrm>
+          <a:prstGeom prst="roundRect">
+            <a:avLst>
+              <a:gd name="adj" fmla="val 10183"/>
+            </a:avLst>
+          </a:prstGeom>
+          <a:ln>
+            <a:solidFill>
+              <a:srgbClr val="C00000"/>
+            </a:solidFill>
+          </a:ln>
+        </p:spPr>
+        <p:style>
+          <a:lnRef idx="2">
+            <a:schemeClr val="dk1"/>
+          </a:lnRef>
+          <a:fillRef idx="1">
+            <a:schemeClr val="lt1"/>
+          </a:fillRef>
+          <a:effectRef idx="0">
+            <a:schemeClr val="dk1"/>
+          </a:effectRef>
+          <a:fontRef idx="minor">
+            <a:schemeClr val="dk1"/>
+          </a:fontRef>
+        </p:style>
+        <p:txBody>
+          <a:bodyPr rtlCol="0" anchor="ctr"/>
+          <a:lstStyle/>
+          <a:p>
+            <a:pPr algn="ctr"/>
+            <a:r>
+              <a:rPr lang="en-US" altLang="ko-KR" sz="1400"/>
+              <a:t>4</a:t>
+            </a:r>
+            <a:endParaRPr lang="ko-KR" altLang="en-US" sz="1400"/>
+          </a:p>
+        </p:txBody>
+      </p:sp>
+      <p:sp>
+        <p:nvSpPr>
+          <p:cNvPr id="27" name="사각형: 둥근 모서리 26">
+            <a:extLst>
+              <a:ext uri="{FF2B5EF4-FFF2-40B4-BE49-F238E27FC236}">
+                <a16:creationId xmlns:a16="http://schemas.microsoft.com/office/drawing/2014/main" id="{27D15C7A-9104-4B9F-96C8-08D440CC537C}"/>
+              </a:ext>
+            </a:extLst>
+          </p:cNvPr>
+          <p:cNvSpPr/>
+          <p:nvPr/>
+        </p:nvSpPr>
+        <p:spPr>
+          <a:xfrm>
+            <a:off x="4732018" y="915566"/>
+            <a:ext cx="1600178" cy="1440160"/>
+          </a:xfrm>
+          <a:prstGeom prst="roundRect">
+            <a:avLst>
+              <a:gd name="adj" fmla="val 5156"/>
+            </a:avLst>
+          </a:prstGeom>
+        </p:spPr>
+        <p:style>
+          <a:lnRef idx="2">
+            <a:schemeClr val="dk1"/>
+          </a:lnRef>
+          <a:fillRef idx="1">
+            <a:schemeClr val="lt1"/>
+          </a:fillRef>
+          <a:effectRef idx="0">
+            <a:schemeClr val="dk1"/>
+          </a:effectRef>
+          <a:fontRef idx="minor">
+            <a:schemeClr val="dk1"/>
+          </a:fontRef>
+        </p:style>
+        <p:txBody>
+          <a:bodyPr rtlCol="0" anchor="b"/>
+          <a:lstStyle/>
+          <a:p>
+            <a:pPr algn="ctr"/>
+            <a:r>
+              <a:rPr lang="en-US" altLang="ko-KR" sz="1400"/>
+              <a:t>Data Node C</a:t>
+            </a:r>
+            <a:endParaRPr lang="ko-KR" altLang="en-US" sz="1400"/>
+          </a:p>
+        </p:txBody>
+      </p:sp>
+      <p:sp>
+        <p:nvSpPr>
+          <p:cNvPr id="28" name="사각형: 둥근 모서리 27">
+            <a:extLst>
+              <a:ext uri="{FF2B5EF4-FFF2-40B4-BE49-F238E27FC236}">
+                <a16:creationId xmlns:a16="http://schemas.microsoft.com/office/drawing/2014/main" id="{24B9702D-C8ED-420C-907F-5F3A9C357623}"/>
+              </a:ext>
+            </a:extLst>
+          </p:cNvPr>
+          <p:cNvSpPr/>
+          <p:nvPr/>
+        </p:nvSpPr>
+        <p:spPr>
+          <a:xfrm>
+            <a:off x="4879789" y="1059582"/>
+            <a:ext cx="360040" cy="353194"/>
+          </a:xfrm>
+          <a:prstGeom prst="roundRect">
+            <a:avLst>
+              <a:gd name="adj" fmla="val 10183"/>
+            </a:avLst>
+          </a:prstGeom>
+          <a:ln>
+            <a:solidFill>
+              <a:srgbClr val="C00000"/>
+            </a:solidFill>
+          </a:ln>
+        </p:spPr>
+        <p:style>
+          <a:lnRef idx="2">
+            <a:schemeClr val="dk1"/>
+          </a:lnRef>
+          <a:fillRef idx="1">
+            <a:schemeClr val="lt1"/>
+          </a:fillRef>
+          <a:effectRef idx="0">
+            <a:schemeClr val="dk1"/>
+          </a:effectRef>
+          <a:fontRef idx="minor">
+            <a:schemeClr val="dk1"/>
+          </a:fontRef>
+        </p:style>
+        <p:txBody>
+          <a:bodyPr rtlCol="0" anchor="ctr"/>
+          <a:lstStyle/>
+          <a:p>
+            <a:pPr algn="ctr"/>
+            <a:r>
+              <a:rPr lang="en-US" altLang="ko-KR" sz="1400"/>
+              <a:t>1</a:t>
+            </a:r>
+            <a:endParaRPr lang="ko-KR" altLang="en-US" sz="1400"/>
+          </a:p>
+        </p:txBody>
+      </p:sp>
+      <p:sp>
+        <p:nvSpPr>
+          <p:cNvPr id="29" name="사각형: 둥근 모서리 28">
+            <a:extLst>
+              <a:ext uri="{FF2B5EF4-FFF2-40B4-BE49-F238E27FC236}">
+                <a16:creationId xmlns:a16="http://schemas.microsoft.com/office/drawing/2014/main" id="{92C01D36-5A13-4AD0-8F96-81915A4089A0}"/>
+              </a:ext>
+            </a:extLst>
+          </p:cNvPr>
+          <p:cNvSpPr/>
+          <p:nvPr/>
+        </p:nvSpPr>
+        <p:spPr>
+          <a:xfrm>
+            <a:off x="5369843" y="1059582"/>
+            <a:ext cx="360040" cy="353194"/>
+          </a:xfrm>
+          <a:prstGeom prst="roundRect">
+            <a:avLst>
+              <a:gd name="adj" fmla="val 10183"/>
+            </a:avLst>
+          </a:prstGeom>
+          <a:ln>
+            <a:solidFill>
+              <a:schemeClr val="tx2"/>
+            </a:solidFill>
+          </a:ln>
+        </p:spPr>
+        <p:style>
+          <a:lnRef idx="2">
+            <a:schemeClr val="dk1"/>
+          </a:lnRef>
+          <a:fillRef idx="1">
+            <a:schemeClr val="lt1"/>
+          </a:fillRef>
+          <a:effectRef idx="0">
+            <a:schemeClr val="dk1"/>
+          </a:effectRef>
+          <a:fontRef idx="minor">
+            <a:schemeClr val="dk1"/>
+          </a:fontRef>
+        </p:style>
+        <p:txBody>
+          <a:bodyPr rtlCol="0" anchor="ctr"/>
+          <a:lstStyle/>
+          <a:p>
+            <a:pPr algn="ctr"/>
+            <a:r>
+              <a:rPr lang="en-US" altLang="ko-KR" sz="1400"/>
+              <a:t>4</a:t>
+            </a:r>
+            <a:endParaRPr lang="ko-KR" altLang="en-US" sz="1400"/>
+          </a:p>
+        </p:txBody>
+      </p:sp>
+      <p:sp>
+        <p:nvSpPr>
+          <p:cNvPr id="31" name="사각형: 둥근 모서리 30">
+            <a:extLst>
+              <a:ext uri="{FF2B5EF4-FFF2-40B4-BE49-F238E27FC236}">
+                <a16:creationId xmlns:a16="http://schemas.microsoft.com/office/drawing/2014/main" id="{208615B4-DFFF-49F7-B80D-DAF7653324A4}"/>
+              </a:ext>
+            </a:extLst>
+          </p:cNvPr>
+          <p:cNvSpPr/>
+          <p:nvPr/>
+        </p:nvSpPr>
+        <p:spPr>
+          <a:xfrm>
+            <a:off x="6540932" y="915566"/>
+            <a:ext cx="1600178" cy="1440160"/>
+          </a:xfrm>
+          <a:prstGeom prst="roundRect">
+            <a:avLst>
+              <a:gd name="adj" fmla="val 5156"/>
+            </a:avLst>
+          </a:prstGeom>
+        </p:spPr>
+        <p:style>
+          <a:lnRef idx="2">
+            <a:schemeClr val="dk1"/>
+          </a:lnRef>
+          <a:fillRef idx="1">
+            <a:schemeClr val="lt1"/>
+          </a:fillRef>
+          <a:effectRef idx="0">
+            <a:schemeClr val="dk1"/>
+          </a:effectRef>
+          <a:fontRef idx="minor">
+            <a:schemeClr val="dk1"/>
+          </a:fontRef>
+        </p:style>
+        <p:txBody>
+          <a:bodyPr rtlCol="0" anchor="b"/>
+          <a:lstStyle/>
+          <a:p>
+            <a:pPr algn="ctr"/>
+            <a:r>
+              <a:rPr lang="en-US" altLang="ko-KR" sz="1400"/>
+              <a:t>Data Node D</a:t>
+            </a:r>
+            <a:endParaRPr lang="ko-KR" altLang="en-US" sz="1400"/>
+          </a:p>
+        </p:txBody>
+      </p:sp>
+      <p:sp>
+        <p:nvSpPr>
+          <p:cNvPr id="33" name="사각형: 둥근 모서리 32">
+            <a:extLst>
+              <a:ext uri="{FF2B5EF4-FFF2-40B4-BE49-F238E27FC236}">
+                <a16:creationId xmlns:a16="http://schemas.microsoft.com/office/drawing/2014/main" id="{B5CC0A13-BEFB-4C67-9FE6-9F8E3087DC42}"/>
+              </a:ext>
+            </a:extLst>
+          </p:cNvPr>
+          <p:cNvSpPr/>
+          <p:nvPr/>
+        </p:nvSpPr>
+        <p:spPr>
+          <a:xfrm>
+            <a:off x="6685989" y="1059582"/>
+            <a:ext cx="360040" cy="353194"/>
+          </a:xfrm>
+          <a:prstGeom prst="roundRect">
+            <a:avLst>
+              <a:gd name="adj" fmla="val 10183"/>
+            </a:avLst>
+          </a:prstGeom>
+          <a:ln>
+            <a:solidFill>
+              <a:schemeClr val="tx2"/>
+            </a:solidFill>
+          </a:ln>
+        </p:spPr>
+        <p:style>
+          <a:lnRef idx="2">
+            <a:schemeClr val="dk1"/>
+          </a:lnRef>
+          <a:fillRef idx="1">
+            <a:schemeClr val="lt1"/>
+          </a:fillRef>
+          <a:effectRef idx="0">
+            <a:schemeClr val="dk1"/>
+          </a:effectRef>
+          <a:fontRef idx="minor">
+            <a:schemeClr val="dk1"/>
+          </a:fontRef>
+        </p:style>
+        <p:txBody>
+          <a:bodyPr rtlCol="0" anchor="ctr"/>
+          <a:lstStyle/>
+          <a:p>
+            <a:pPr algn="ctr"/>
+            <a:r>
+              <a:rPr lang="en-US" altLang="ko-KR" sz="1400"/>
+              <a:t>1</a:t>
+            </a:r>
+            <a:endParaRPr lang="ko-KR" altLang="en-US" sz="1400"/>
+          </a:p>
+        </p:txBody>
+      </p:sp>
+      <p:sp>
+        <p:nvSpPr>
+          <p:cNvPr id="35" name="사각형: 둥근 모서리 34">
+            <a:extLst>
+              <a:ext uri="{FF2B5EF4-FFF2-40B4-BE49-F238E27FC236}">
+                <a16:creationId xmlns:a16="http://schemas.microsoft.com/office/drawing/2014/main" id="{713DF50A-D111-45B7-9DBC-20B34097FCDE}"/>
+              </a:ext>
+            </a:extLst>
+          </p:cNvPr>
+          <p:cNvSpPr/>
+          <p:nvPr/>
+        </p:nvSpPr>
+        <p:spPr>
+          <a:xfrm>
+            <a:off x="7151373" y="1059582"/>
+            <a:ext cx="360040" cy="353194"/>
+          </a:xfrm>
+          <a:prstGeom prst="roundRect">
+            <a:avLst>
+              <a:gd name="adj" fmla="val 10183"/>
+            </a:avLst>
+          </a:prstGeom>
+          <a:ln>
+            <a:solidFill>
+              <a:srgbClr val="C00000"/>
+            </a:solidFill>
+          </a:ln>
+        </p:spPr>
+        <p:style>
+          <a:lnRef idx="2">
+            <a:schemeClr val="dk1"/>
+          </a:lnRef>
+          <a:fillRef idx="1">
+            <a:schemeClr val="lt1"/>
+          </a:fillRef>
+          <a:effectRef idx="0">
+            <a:schemeClr val="dk1"/>
+          </a:effectRef>
+          <a:fontRef idx="minor">
+            <a:schemeClr val="dk1"/>
+          </a:fontRef>
+        </p:style>
+        <p:txBody>
+          <a:bodyPr rtlCol="0" anchor="ctr"/>
+          <a:lstStyle/>
+          <a:p>
+            <a:pPr algn="ctr"/>
+            <a:r>
+              <a:rPr lang="en-US" altLang="ko-KR" sz="1400"/>
+              <a:t>2</a:t>
+            </a:r>
+            <a:endParaRPr lang="ko-KR" altLang="en-US" sz="1400"/>
+          </a:p>
+        </p:txBody>
+      </p:sp>
+      <p:sp>
+        <p:nvSpPr>
+          <p:cNvPr id="36" name="사각형: 둥근 모서리 35">
+            <a:extLst>
+              <a:ext uri="{FF2B5EF4-FFF2-40B4-BE49-F238E27FC236}">
+                <a16:creationId xmlns:a16="http://schemas.microsoft.com/office/drawing/2014/main" id="{9177981F-402F-418C-95CE-B3DB11460E5E}"/>
+              </a:ext>
+            </a:extLst>
+          </p:cNvPr>
+          <p:cNvSpPr/>
+          <p:nvPr/>
+        </p:nvSpPr>
+        <p:spPr>
+          <a:xfrm>
+            <a:off x="1115616" y="2931790"/>
+            <a:ext cx="1600178" cy="1440160"/>
+          </a:xfrm>
+          <a:prstGeom prst="roundRect">
+            <a:avLst>
+              <a:gd name="adj" fmla="val 5156"/>
+            </a:avLst>
+          </a:prstGeom>
+        </p:spPr>
+        <p:style>
+          <a:lnRef idx="2">
+            <a:schemeClr val="dk1"/>
+          </a:lnRef>
+          <a:fillRef idx="1">
+            <a:schemeClr val="lt1"/>
+          </a:fillRef>
+          <a:effectRef idx="0">
+            <a:schemeClr val="dk1"/>
+          </a:effectRef>
+          <a:fontRef idx="minor">
+            <a:schemeClr val="dk1"/>
+          </a:fontRef>
+        </p:style>
+        <p:txBody>
+          <a:bodyPr rtlCol="0" anchor="b"/>
+          <a:lstStyle/>
+          <a:p>
+            <a:pPr algn="ctr"/>
+            <a:r>
+              <a:rPr lang="en-US" altLang="ko-KR" sz="1400"/>
+              <a:t>Data Node A</a:t>
+            </a:r>
+            <a:endParaRPr lang="ko-KR" altLang="en-US" sz="1400"/>
+          </a:p>
+        </p:txBody>
+      </p:sp>
+      <p:sp>
+        <p:nvSpPr>
+          <p:cNvPr id="37" name="사각형: 둥근 모서리 36">
+            <a:extLst>
+              <a:ext uri="{FF2B5EF4-FFF2-40B4-BE49-F238E27FC236}">
+                <a16:creationId xmlns:a16="http://schemas.microsoft.com/office/drawing/2014/main" id="{04BCCE2E-8336-4F83-8512-75C57A598305}"/>
+              </a:ext>
+            </a:extLst>
+          </p:cNvPr>
+          <p:cNvSpPr/>
+          <p:nvPr/>
+        </p:nvSpPr>
+        <p:spPr>
+          <a:xfrm>
+            <a:off x="1263387" y="3075806"/>
+            <a:ext cx="360040" cy="353194"/>
+          </a:xfrm>
+          <a:prstGeom prst="roundRect">
+            <a:avLst>
+              <a:gd name="adj" fmla="val 10183"/>
+            </a:avLst>
+          </a:prstGeom>
+          <a:ln>
+            <a:solidFill>
+              <a:srgbClr val="C00000"/>
+            </a:solidFill>
+          </a:ln>
+        </p:spPr>
+        <p:style>
+          <a:lnRef idx="2">
+            <a:schemeClr val="dk1"/>
+          </a:lnRef>
+          <a:fillRef idx="1">
+            <a:schemeClr val="lt1"/>
+          </a:fillRef>
+          <a:effectRef idx="0">
+            <a:schemeClr val="dk1"/>
+          </a:effectRef>
+          <a:fontRef idx="minor">
+            <a:schemeClr val="dk1"/>
+          </a:fontRef>
+        </p:style>
+        <p:txBody>
+          <a:bodyPr rtlCol="0" anchor="ctr"/>
+          <a:lstStyle/>
+          <a:p>
+            <a:pPr algn="ctr"/>
+            <a:r>
+              <a:rPr lang="en-US" altLang="ko-KR" sz="1400"/>
+              <a:t>0</a:t>
+            </a:r>
+            <a:endParaRPr lang="ko-KR" altLang="en-US" sz="1400"/>
+          </a:p>
+        </p:txBody>
+      </p:sp>
+      <p:sp>
+        <p:nvSpPr>
+          <p:cNvPr id="38" name="사각형: 둥근 모서리 37">
+            <a:extLst>
+              <a:ext uri="{FF2B5EF4-FFF2-40B4-BE49-F238E27FC236}">
+                <a16:creationId xmlns:a16="http://schemas.microsoft.com/office/drawing/2014/main" id="{AF25E210-3AF7-47F9-9057-0ED4E7A871DD}"/>
+              </a:ext>
+            </a:extLst>
+          </p:cNvPr>
+          <p:cNvSpPr/>
+          <p:nvPr/>
+        </p:nvSpPr>
+        <p:spPr>
+          <a:xfrm>
+            <a:off x="1753441" y="3075806"/>
+            <a:ext cx="360040" cy="353194"/>
+          </a:xfrm>
+          <a:prstGeom prst="roundRect">
+            <a:avLst>
+              <a:gd name="adj" fmla="val 10183"/>
+            </a:avLst>
+          </a:prstGeom>
+          <a:ln>
+            <a:solidFill>
+              <a:schemeClr val="tx2"/>
+            </a:solidFill>
+          </a:ln>
+        </p:spPr>
+        <p:style>
+          <a:lnRef idx="2">
+            <a:schemeClr val="dk1"/>
+          </a:lnRef>
+          <a:fillRef idx="1">
+            <a:schemeClr val="lt1"/>
+          </a:fillRef>
+          <a:effectRef idx="0">
+            <a:schemeClr val="dk1"/>
+          </a:effectRef>
+          <a:fontRef idx="minor">
+            <a:schemeClr val="dk1"/>
+          </a:fontRef>
+        </p:style>
+        <p:txBody>
+          <a:bodyPr rtlCol="0" anchor="ctr"/>
+          <a:lstStyle/>
+          <a:p>
+            <a:pPr algn="ctr"/>
+            <a:r>
+              <a:rPr lang="en-US" altLang="ko-KR" sz="1400"/>
+              <a:t>3</a:t>
+            </a:r>
+            <a:endParaRPr lang="ko-KR" altLang="en-US" sz="1400"/>
+          </a:p>
+        </p:txBody>
+      </p:sp>
+      <p:sp>
+        <p:nvSpPr>
+          <p:cNvPr id="39" name="사각형: 둥근 모서리 38">
+            <a:extLst>
+              <a:ext uri="{FF2B5EF4-FFF2-40B4-BE49-F238E27FC236}">
+                <a16:creationId xmlns:a16="http://schemas.microsoft.com/office/drawing/2014/main" id="{266E99FB-EF79-446D-9AB6-D1E8F47905E4}"/>
+              </a:ext>
+            </a:extLst>
+          </p:cNvPr>
+          <p:cNvSpPr/>
+          <p:nvPr/>
+        </p:nvSpPr>
+        <p:spPr>
+          <a:xfrm>
+            <a:off x="2218825" y="3075806"/>
+            <a:ext cx="360040" cy="353194"/>
+          </a:xfrm>
+          <a:prstGeom prst="roundRect">
+            <a:avLst>
+              <a:gd name="adj" fmla="val 10183"/>
+            </a:avLst>
+          </a:prstGeom>
+          <a:ln>
+            <a:solidFill>
+              <a:schemeClr val="tx2"/>
+            </a:solidFill>
+          </a:ln>
+        </p:spPr>
+        <p:style>
+          <a:lnRef idx="2">
+            <a:schemeClr val="dk1"/>
+          </a:lnRef>
+          <a:fillRef idx="1">
+            <a:schemeClr val="lt1"/>
+          </a:fillRef>
+          <a:effectRef idx="0">
+            <a:schemeClr val="dk1"/>
+          </a:effectRef>
+          <a:fontRef idx="minor">
+            <a:schemeClr val="dk1"/>
+          </a:fontRef>
+        </p:style>
+        <p:txBody>
+          <a:bodyPr rtlCol="0" anchor="ctr"/>
+          <a:lstStyle/>
+          <a:p>
+            <a:pPr algn="ctr"/>
+            <a:r>
+              <a:rPr lang="en-US" altLang="ko-KR" sz="1400"/>
+              <a:t>2</a:t>
+            </a:r>
+            <a:endParaRPr lang="ko-KR" altLang="en-US" sz="1400"/>
+          </a:p>
+        </p:txBody>
+      </p:sp>
+      <p:sp>
+        <p:nvSpPr>
+          <p:cNvPr id="41" name="사각형: 둥근 모서리 40">
+            <a:extLst>
+              <a:ext uri="{FF2B5EF4-FFF2-40B4-BE49-F238E27FC236}">
+                <a16:creationId xmlns:a16="http://schemas.microsoft.com/office/drawing/2014/main" id="{8410E245-226F-46C7-9553-5B6BD3E0C281}"/>
+              </a:ext>
+            </a:extLst>
+          </p:cNvPr>
+          <p:cNvSpPr/>
+          <p:nvPr/>
+        </p:nvSpPr>
+        <p:spPr>
+          <a:xfrm>
+            <a:off x="2923817" y="2931790"/>
+            <a:ext cx="1600178" cy="1440160"/>
+          </a:xfrm>
+          <a:prstGeom prst="roundRect">
+            <a:avLst>
+              <a:gd name="adj" fmla="val 5156"/>
+            </a:avLst>
+          </a:prstGeom>
+        </p:spPr>
+        <p:style>
+          <a:lnRef idx="2">
+            <a:schemeClr val="dk1"/>
+          </a:lnRef>
+          <a:fillRef idx="1">
+            <a:schemeClr val="lt1"/>
+          </a:fillRef>
+          <a:effectRef idx="0">
+            <a:schemeClr val="dk1"/>
+          </a:effectRef>
+          <a:fontRef idx="minor">
+            <a:schemeClr val="dk1"/>
+          </a:fontRef>
+        </p:style>
+        <p:txBody>
+          <a:bodyPr rtlCol="0" anchor="b"/>
+          <a:lstStyle/>
+          <a:p>
+            <a:pPr algn="ctr"/>
+            <a:r>
+              <a:rPr lang="en-US" altLang="ko-KR" sz="1400"/>
+              <a:t>Data Node B</a:t>
+            </a:r>
+            <a:endParaRPr lang="ko-KR" altLang="en-US" sz="1400"/>
+          </a:p>
+        </p:txBody>
+      </p:sp>
+      <p:sp>
+        <p:nvSpPr>
+          <p:cNvPr id="42" name="사각형: 둥근 모서리 41">
+            <a:extLst>
+              <a:ext uri="{FF2B5EF4-FFF2-40B4-BE49-F238E27FC236}">
+                <a16:creationId xmlns:a16="http://schemas.microsoft.com/office/drawing/2014/main" id="{4195405D-1A28-46C4-B13B-300AC42AED6B}"/>
+              </a:ext>
+            </a:extLst>
+          </p:cNvPr>
+          <p:cNvSpPr/>
+          <p:nvPr/>
+        </p:nvSpPr>
+        <p:spPr>
+          <a:xfrm>
+            <a:off x="3071588" y="3075806"/>
+            <a:ext cx="360040" cy="353194"/>
+          </a:xfrm>
+          <a:prstGeom prst="roundRect">
+            <a:avLst>
+              <a:gd name="adj" fmla="val 10183"/>
+            </a:avLst>
+          </a:prstGeom>
+          <a:ln>
+            <a:solidFill>
+              <a:schemeClr val="tx2"/>
+            </a:solidFill>
+          </a:ln>
+        </p:spPr>
+        <p:style>
+          <a:lnRef idx="2">
+            <a:schemeClr val="dk1"/>
+          </a:lnRef>
+          <a:fillRef idx="1">
+            <a:schemeClr val="lt1"/>
+          </a:fillRef>
+          <a:effectRef idx="0">
+            <a:schemeClr val="dk1"/>
+          </a:effectRef>
+          <a:fontRef idx="minor">
+            <a:schemeClr val="dk1"/>
+          </a:fontRef>
+        </p:style>
+        <p:txBody>
+          <a:bodyPr rtlCol="0" anchor="ctr"/>
+          <a:lstStyle/>
+          <a:p>
+            <a:pPr algn="ctr"/>
+            <a:r>
+              <a:rPr lang="en-US" altLang="ko-KR" sz="1400"/>
+              <a:t>0</a:t>
+            </a:r>
+            <a:endParaRPr lang="ko-KR" altLang="en-US" sz="1400"/>
+          </a:p>
+        </p:txBody>
+      </p:sp>
+      <p:sp>
+        <p:nvSpPr>
+          <p:cNvPr id="46" name="사각형: 둥근 모서리 45">
+            <a:extLst>
+              <a:ext uri="{FF2B5EF4-FFF2-40B4-BE49-F238E27FC236}">
+                <a16:creationId xmlns:a16="http://schemas.microsoft.com/office/drawing/2014/main" id="{5CA17711-A2B4-4345-9E12-D499424F8463}"/>
+              </a:ext>
+            </a:extLst>
+          </p:cNvPr>
+          <p:cNvSpPr/>
+          <p:nvPr/>
+        </p:nvSpPr>
+        <p:spPr>
+          <a:xfrm>
+            <a:off x="3561642" y="3075806"/>
+            <a:ext cx="360040" cy="353194"/>
+          </a:xfrm>
+          <a:prstGeom prst="roundRect">
+            <a:avLst>
+              <a:gd name="adj" fmla="val 10183"/>
+            </a:avLst>
+          </a:prstGeom>
+          <a:ln>
+            <a:solidFill>
+              <a:srgbClr val="C00000"/>
+            </a:solidFill>
+          </a:ln>
+        </p:spPr>
+        <p:style>
+          <a:lnRef idx="2">
+            <a:schemeClr val="dk1"/>
+          </a:lnRef>
+          <a:fillRef idx="1">
+            <a:schemeClr val="lt1"/>
+          </a:fillRef>
+          <a:effectRef idx="0">
+            <a:schemeClr val="dk1"/>
+          </a:effectRef>
+          <a:fontRef idx="minor">
+            <a:schemeClr val="dk1"/>
+          </a:fontRef>
+        </p:style>
+        <p:txBody>
+          <a:bodyPr rtlCol="0" anchor="ctr"/>
+          <a:lstStyle/>
+          <a:p>
+            <a:pPr algn="ctr"/>
+            <a:r>
+              <a:rPr lang="en-US" altLang="ko-KR" sz="1400"/>
+              <a:t>3</a:t>
+            </a:r>
+            <a:endParaRPr lang="ko-KR" altLang="en-US" sz="1400"/>
+          </a:p>
+        </p:txBody>
+      </p:sp>
+      <p:sp>
+        <p:nvSpPr>
+          <p:cNvPr id="49" name="사각형: 둥근 모서리 48">
+            <a:extLst>
+              <a:ext uri="{FF2B5EF4-FFF2-40B4-BE49-F238E27FC236}">
+                <a16:creationId xmlns:a16="http://schemas.microsoft.com/office/drawing/2014/main" id="{6C4EE422-5448-4217-BD2E-D6B36D2FE000}"/>
+              </a:ext>
+            </a:extLst>
+          </p:cNvPr>
+          <p:cNvSpPr/>
+          <p:nvPr/>
+        </p:nvSpPr>
+        <p:spPr>
+          <a:xfrm>
+            <a:off x="4027026" y="3075806"/>
+            <a:ext cx="360040" cy="353194"/>
+          </a:xfrm>
+          <a:prstGeom prst="roundRect">
+            <a:avLst>
+              <a:gd name="adj" fmla="val 10183"/>
+            </a:avLst>
+          </a:prstGeom>
+          <a:ln>
+            <a:solidFill>
+              <a:srgbClr val="C00000"/>
+            </a:solidFill>
+          </a:ln>
+        </p:spPr>
+        <p:style>
+          <a:lnRef idx="2">
+            <a:schemeClr val="dk1"/>
+          </a:lnRef>
+          <a:fillRef idx="1">
+            <a:schemeClr val="lt1"/>
+          </a:fillRef>
+          <a:effectRef idx="0">
+            <a:schemeClr val="dk1"/>
+          </a:effectRef>
+          <a:fontRef idx="minor">
+            <a:schemeClr val="dk1"/>
+          </a:fontRef>
+        </p:style>
+        <p:txBody>
+          <a:bodyPr rtlCol="0" anchor="ctr"/>
+          <a:lstStyle/>
+          <a:p>
+            <a:pPr algn="ctr"/>
+            <a:r>
+              <a:rPr lang="en-US" altLang="ko-KR" sz="1400"/>
+              <a:t>4</a:t>
+            </a:r>
+            <a:endParaRPr lang="ko-KR" altLang="en-US" sz="1400"/>
+          </a:p>
+        </p:txBody>
+      </p:sp>
+      <p:sp>
+        <p:nvSpPr>
+          <p:cNvPr id="57" name="사각형: 둥근 모서리 56">
+            <a:extLst>
+              <a:ext uri="{FF2B5EF4-FFF2-40B4-BE49-F238E27FC236}">
+                <a16:creationId xmlns:a16="http://schemas.microsoft.com/office/drawing/2014/main" id="{58F376EF-DE01-46D1-9CE4-9D2E5EBDF7AA}"/>
+              </a:ext>
+            </a:extLst>
+          </p:cNvPr>
+          <p:cNvSpPr/>
+          <p:nvPr/>
+        </p:nvSpPr>
+        <p:spPr>
+          <a:xfrm>
+            <a:off x="4732018" y="2931790"/>
+            <a:ext cx="1600178" cy="1440160"/>
+          </a:xfrm>
+          <a:prstGeom prst="roundRect">
+            <a:avLst>
+              <a:gd name="adj" fmla="val 5156"/>
+            </a:avLst>
+          </a:prstGeom>
+        </p:spPr>
+        <p:style>
+          <a:lnRef idx="2">
+            <a:schemeClr val="dk1"/>
+          </a:lnRef>
+          <a:fillRef idx="1">
+            <a:schemeClr val="lt1"/>
+          </a:fillRef>
+          <a:effectRef idx="0">
+            <a:schemeClr val="dk1"/>
+          </a:effectRef>
+          <a:fontRef idx="minor">
+            <a:schemeClr val="dk1"/>
+          </a:fontRef>
+        </p:style>
+        <p:txBody>
+          <a:bodyPr rtlCol="0" anchor="b"/>
+          <a:lstStyle/>
+          <a:p>
+            <a:pPr algn="ctr"/>
+            <a:r>
+              <a:rPr lang="en-US" altLang="ko-KR" sz="1400"/>
+              <a:t>Data Node C</a:t>
+            </a:r>
+            <a:endParaRPr lang="ko-KR" altLang="en-US" sz="1400"/>
+          </a:p>
+        </p:txBody>
+      </p:sp>
+      <p:sp>
+        <p:nvSpPr>
+          <p:cNvPr id="58" name="사각형: 둥근 모서리 57">
+            <a:extLst>
+              <a:ext uri="{FF2B5EF4-FFF2-40B4-BE49-F238E27FC236}">
+                <a16:creationId xmlns:a16="http://schemas.microsoft.com/office/drawing/2014/main" id="{0EA8EAAF-B3CF-4778-A433-9E8C8808FE4F}"/>
+              </a:ext>
+            </a:extLst>
+          </p:cNvPr>
+          <p:cNvSpPr/>
+          <p:nvPr/>
+        </p:nvSpPr>
+        <p:spPr>
+          <a:xfrm>
+            <a:off x="4879789" y="3075806"/>
+            <a:ext cx="360040" cy="353194"/>
+          </a:xfrm>
+          <a:prstGeom prst="roundRect">
+            <a:avLst>
+              <a:gd name="adj" fmla="val 10183"/>
+            </a:avLst>
+          </a:prstGeom>
+          <a:ln>
+            <a:solidFill>
+              <a:srgbClr val="C00000"/>
+            </a:solidFill>
+            <a:prstDash val="dash"/>
+          </a:ln>
+        </p:spPr>
+        <p:style>
+          <a:lnRef idx="2">
+            <a:schemeClr val="dk1"/>
+          </a:lnRef>
+          <a:fillRef idx="1">
+            <a:schemeClr val="lt1"/>
+          </a:fillRef>
+          <a:effectRef idx="0">
+            <a:schemeClr val="dk1"/>
+          </a:effectRef>
+          <a:fontRef idx="minor">
+            <a:schemeClr val="dk1"/>
+          </a:fontRef>
+        </p:style>
+        <p:txBody>
+          <a:bodyPr rtlCol="0" anchor="ctr"/>
+          <a:lstStyle/>
+          <a:p>
+            <a:pPr algn="ctr"/>
+            <a:r>
+              <a:rPr lang="en-US" altLang="ko-KR" sz="1400"/>
+              <a:t>1</a:t>
+            </a:r>
+            <a:endParaRPr lang="ko-KR" altLang="en-US" sz="1400"/>
+          </a:p>
+        </p:txBody>
+      </p:sp>
+      <p:sp>
+        <p:nvSpPr>
+          <p:cNvPr id="59" name="사각형: 둥근 모서리 58">
+            <a:extLst>
+              <a:ext uri="{FF2B5EF4-FFF2-40B4-BE49-F238E27FC236}">
+                <a16:creationId xmlns:a16="http://schemas.microsoft.com/office/drawing/2014/main" id="{570086CE-99BD-480D-99DB-51C0F8C4E4D6}"/>
+              </a:ext>
+            </a:extLst>
+          </p:cNvPr>
+          <p:cNvSpPr/>
+          <p:nvPr/>
+        </p:nvSpPr>
+        <p:spPr>
+          <a:xfrm>
+            <a:off x="5369843" y="3075806"/>
+            <a:ext cx="360040" cy="353194"/>
+          </a:xfrm>
+          <a:prstGeom prst="roundRect">
+            <a:avLst>
+              <a:gd name="adj" fmla="val 10183"/>
+            </a:avLst>
+          </a:prstGeom>
+          <a:ln>
+            <a:solidFill>
+              <a:schemeClr val="tx2"/>
+            </a:solidFill>
+            <a:prstDash val="dash"/>
+          </a:ln>
+        </p:spPr>
+        <p:style>
+          <a:lnRef idx="2">
+            <a:schemeClr val="dk1"/>
+          </a:lnRef>
+          <a:fillRef idx="1">
+            <a:schemeClr val="lt1"/>
+          </a:fillRef>
+          <a:effectRef idx="0">
+            <a:schemeClr val="dk1"/>
+          </a:effectRef>
+          <a:fontRef idx="minor">
+            <a:schemeClr val="dk1"/>
+          </a:fontRef>
+        </p:style>
+        <p:txBody>
+          <a:bodyPr rtlCol="0" anchor="ctr"/>
+          <a:lstStyle/>
+          <a:p>
+            <a:pPr algn="ctr"/>
+            <a:r>
+              <a:rPr lang="en-US" altLang="ko-KR" sz="1400"/>
+              <a:t>4</a:t>
+            </a:r>
+            <a:endParaRPr lang="ko-KR" altLang="en-US" sz="1400"/>
+          </a:p>
+        </p:txBody>
+      </p:sp>
+      <p:sp>
+        <p:nvSpPr>
+          <p:cNvPr id="60" name="사각형: 둥근 모서리 59">
+            <a:extLst>
+              <a:ext uri="{FF2B5EF4-FFF2-40B4-BE49-F238E27FC236}">
+                <a16:creationId xmlns:a16="http://schemas.microsoft.com/office/drawing/2014/main" id="{E7D1D56E-8344-4EC7-A3FA-52DEE4F252DF}"/>
+              </a:ext>
+            </a:extLst>
+          </p:cNvPr>
+          <p:cNvSpPr/>
+          <p:nvPr/>
+        </p:nvSpPr>
+        <p:spPr>
+          <a:xfrm>
+            <a:off x="6540932" y="2931790"/>
+            <a:ext cx="1600178" cy="1440160"/>
+          </a:xfrm>
+          <a:prstGeom prst="roundRect">
+            <a:avLst>
+              <a:gd name="adj" fmla="val 5156"/>
+            </a:avLst>
+          </a:prstGeom>
+        </p:spPr>
+        <p:style>
+          <a:lnRef idx="2">
+            <a:schemeClr val="dk1"/>
+          </a:lnRef>
+          <a:fillRef idx="1">
+            <a:schemeClr val="lt1"/>
+          </a:fillRef>
+          <a:effectRef idx="0">
+            <a:schemeClr val="dk1"/>
+          </a:effectRef>
+          <a:fontRef idx="minor">
+            <a:schemeClr val="dk1"/>
+          </a:fontRef>
+        </p:style>
+        <p:txBody>
+          <a:bodyPr rtlCol="0" anchor="b"/>
+          <a:lstStyle/>
+          <a:p>
+            <a:pPr algn="ctr"/>
+            <a:r>
+              <a:rPr lang="en-US" altLang="ko-KR" sz="1400"/>
+              <a:t>Data Node D</a:t>
+            </a:r>
+            <a:endParaRPr lang="ko-KR" altLang="en-US" sz="1400"/>
+          </a:p>
+        </p:txBody>
+      </p:sp>
+      <p:sp>
+        <p:nvSpPr>
+          <p:cNvPr id="61" name="사각형: 둥근 모서리 60">
+            <a:extLst>
+              <a:ext uri="{FF2B5EF4-FFF2-40B4-BE49-F238E27FC236}">
+                <a16:creationId xmlns:a16="http://schemas.microsoft.com/office/drawing/2014/main" id="{E027D38C-3871-432D-A8FA-65DE22CEAE1C}"/>
+              </a:ext>
+            </a:extLst>
+          </p:cNvPr>
+          <p:cNvSpPr/>
+          <p:nvPr/>
+        </p:nvSpPr>
+        <p:spPr>
+          <a:xfrm>
+            <a:off x="6685989" y="3075806"/>
+            <a:ext cx="360040" cy="353194"/>
+          </a:xfrm>
+          <a:prstGeom prst="roundRect">
+            <a:avLst>
+              <a:gd name="adj" fmla="val 10183"/>
+            </a:avLst>
+          </a:prstGeom>
+          <a:ln w="57150">
+            <a:solidFill>
+              <a:srgbClr val="C00000"/>
+            </a:solidFill>
+          </a:ln>
+        </p:spPr>
+        <p:style>
+          <a:lnRef idx="2">
+            <a:schemeClr val="dk1"/>
+          </a:lnRef>
+          <a:fillRef idx="1">
+            <a:schemeClr val="lt1"/>
+          </a:fillRef>
+          <a:effectRef idx="0">
+            <a:schemeClr val="dk1"/>
+          </a:effectRef>
+          <a:fontRef idx="minor">
+            <a:schemeClr val="dk1"/>
+          </a:fontRef>
+        </p:style>
+        <p:txBody>
+          <a:bodyPr rtlCol="0" anchor="ctr"/>
+          <a:lstStyle/>
+          <a:p>
+            <a:pPr algn="ctr"/>
+            <a:r>
+              <a:rPr lang="en-US" altLang="ko-KR" sz="1400"/>
+              <a:t>1</a:t>
+            </a:r>
+            <a:endParaRPr lang="ko-KR" altLang="en-US" sz="1400"/>
+          </a:p>
+        </p:txBody>
+      </p:sp>
+      <p:sp>
+        <p:nvSpPr>
+          <p:cNvPr id="62" name="사각형: 둥근 모서리 61">
+            <a:extLst>
+              <a:ext uri="{FF2B5EF4-FFF2-40B4-BE49-F238E27FC236}">
+                <a16:creationId xmlns:a16="http://schemas.microsoft.com/office/drawing/2014/main" id="{C612F4B3-D6E8-4C2C-B2DC-3D341875C7F1}"/>
+              </a:ext>
+            </a:extLst>
+          </p:cNvPr>
+          <p:cNvSpPr/>
+          <p:nvPr/>
+        </p:nvSpPr>
+        <p:spPr>
+          <a:xfrm>
+            <a:off x="7151373" y="3075806"/>
+            <a:ext cx="360040" cy="353194"/>
+          </a:xfrm>
+          <a:prstGeom prst="roundRect">
+            <a:avLst>
+              <a:gd name="adj" fmla="val 10183"/>
+            </a:avLst>
+          </a:prstGeom>
+          <a:ln>
+            <a:solidFill>
+              <a:srgbClr val="C00000"/>
+            </a:solidFill>
+          </a:ln>
+        </p:spPr>
+        <p:style>
+          <a:lnRef idx="2">
+            <a:schemeClr val="dk1"/>
+          </a:lnRef>
+          <a:fillRef idx="1">
+            <a:schemeClr val="lt1"/>
+          </a:fillRef>
+          <a:effectRef idx="0">
+            <a:schemeClr val="dk1"/>
+          </a:effectRef>
+          <a:fontRef idx="minor">
+            <a:schemeClr val="dk1"/>
+          </a:fontRef>
+        </p:style>
+        <p:txBody>
+          <a:bodyPr rtlCol="0" anchor="ctr"/>
+          <a:lstStyle/>
+          <a:p>
+            <a:pPr algn="ctr"/>
+            <a:r>
+              <a:rPr lang="en-US" altLang="ko-KR" sz="1400"/>
+              <a:t>2</a:t>
+            </a:r>
+            <a:endParaRPr lang="ko-KR" altLang="en-US" sz="1400"/>
+          </a:p>
+        </p:txBody>
+      </p:sp>
+      <p:sp>
+        <p:nvSpPr>
+          <p:cNvPr id="3" name="화살표: 아래쪽 2">
+            <a:extLst>
+              <a:ext uri="{FF2B5EF4-FFF2-40B4-BE49-F238E27FC236}">
+                <a16:creationId xmlns:a16="http://schemas.microsoft.com/office/drawing/2014/main" id="{6F89824B-D407-464D-95D5-A387BC292E9A}"/>
+              </a:ext>
+            </a:extLst>
+          </p:cNvPr>
+          <p:cNvSpPr/>
+          <p:nvPr/>
+        </p:nvSpPr>
+        <p:spPr>
+          <a:xfrm>
+            <a:off x="4345097" y="2508620"/>
+            <a:ext cx="578065" cy="288032"/>
+          </a:xfrm>
+          <a:prstGeom prst="downArrow">
+            <a:avLst/>
+          </a:prstGeom>
+          <a:solidFill>
+            <a:schemeClr val="tx1"/>
+          </a:solidFill>
+          <a:ln>
+            <a:noFill/>
+          </a:ln>
+        </p:spPr>
+        <p:style>
+          <a:lnRef idx="2">
+            <a:schemeClr val="accent1">
+              <a:shade val="50000"/>
+            </a:schemeClr>
+          </a:lnRef>
+          <a:fillRef idx="1">
+            <a:schemeClr val="accent1"/>
+          </a:fillRef>
+          <a:effectRef idx="0">
+            <a:schemeClr val="accent1"/>
+          </a:effectRef>
+          <a:fontRef idx="minor">
+            <a:schemeClr val="lt1"/>
+          </a:fontRef>
+        </p:style>
+        <p:txBody>
+          <a:bodyPr rtlCol="0" anchor="ctr"/>
+          <a:lstStyle/>
+          <a:p>
+            <a:pPr algn="ctr"/>
+            <a:endParaRPr lang="ko-KR" altLang="en-US"/>
+          </a:p>
+        </p:txBody>
+      </p:sp>
+      <p:cxnSp>
+        <p:nvCxnSpPr>
+          <p:cNvPr id="5" name="직선 연결선 4">
+            <a:extLst>
+              <a:ext uri="{FF2B5EF4-FFF2-40B4-BE49-F238E27FC236}">
+                <a16:creationId xmlns:a16="http://schemas.microsoft.com/office/drawing/2014/main" id="{370C78FD-AE71-4AD1-9BF4-670906FDC92B}"/>
+              </a:ext>
+            </a:extLst>
+          </p:cNvPr>
+          <p:cNvCxnSpPr>
+            <a:cxnSpLocks/>
+          </p:cNvCxnSpPr>
+          <p:nvPr/>
+        </p:nvCxnSpPr>
+        <p:spPr>
+          <a:xfrm flipH="1" flipV="1">
+            <a:off x="4634130" y="2859782"/>
+            <a:ext cx="1784425" cy="1586944"/>
+          </a:xfrm>
+          <a:prstGeom prst="line">
+            <a:avLst/>
+          </a:prstGeom>
+          <a:ln w="28575">
+            <a:solidFill>
+              <a:schemeClr val="tx1"/>
+            </a:solidFill>
+          </a:ln>
+        </p:spPr>
+        <p:style>
+          <a:lnRef idx="1">
+            <a:schemeClr val="accent1"/>
+          </a:lnRef>
+          <a:fillRef idx="0">
+            <a:schemeClr val="accent1"/>
+          </a:fillRef>
+          <a:effectRef idx="0">
+            <a:schemeClr val="accent1"/>
+          </a:effectRef>
+          <a:fontRef idx="minor">
+            <a:schemeClr val="tx1"/>
+          </a:fontRef>
+        </p:style>
+      </p:cxnSp>
+      <p:cxnSp>
+        <p:nvCxnSpPr>
+          <p:cNvPr id="63" name="직선 연결선 62">
+            <a:extLst>
+              <a:ext uri="{FF2B5EF4-FFF2-40B4-BE49-F238E27FC236}">
+                <a16:creationId xmlns:a16="http://schemas.microsoft.com/office/drawing/2014/main" id="{296C143C-8363-415F-997B-428E0CBB4497}"/>
+              </a:ext>
+            </a:extLst>
+          </p:cNvPr>
+          <p:cNvCxnSpPr>
+            <a:cxnSpLocks/>
+          </p:cNvCxnSpPr>
+          <p:nvPr/>
+        </p:nvCxnSpPr>
+        <p:spPr>
+          <a:xfrm flipV="1">
+            <a:off x="4645659" y="2859782"/>
+            <a:ext cx="1772896" cy="1586944"/>
+          </a:xfrm>
+          <a:prstGeom prst="line">
+            <a:avLst/>
+          </a:prstGeom>
+          <a:ln w="28575">
+            <a:solidFill>
+              <a:schemeClr val="tx1"/>
+            </a:solidFill>
+          </a:ln>
+        </p:spPr>
+        <p:style>
+          <a:lnRef idx="1">
+            <a:schemeClr val="accent1"/>
+          </a:lnRef>
+          <a:fillRef idx="0">
+            <a:schemeClr val="accent1"/>
+          </a:fillRef>
+          <a:effectRef idx="0">
+            <a:schemeClr val="accent1"/>
+          </a:effectRef>
+          <a:fontRef idx="minor">
+            <a:schemeClr val="tx1"/>
+          </a:fontRef>
+        </p:style>
+      </p:cxnSp>
+      <p:sp>
+        <p:nvSpPr>
+          <p:cNvPr id="64" name="사각형: 둥근 모서리 63">
+            <a:extLst>
+              <a:ext uri="{FF2B5EF4-FFF2-40B4-BE49-F238E27FC236}">
+                <a16:creationId xmlns:a16="http://schemas.microsoft.com/office/drawing/2014/main" id="{CE1B7A57-170D-4785-9349-A34807E35C31}"/>
+              </a:ext>
+            </a:extLst>
+          </p:cNvPr>
+          <p:cNvSpPr/>
+          <p:nvPr/>
+        </p:nvSpPr>
+        <p:spPr>
+          <a:xfrm>
+            <a:off x="7616757" y="3075806"/>
+            <a:ext cx="360040" cy="353194"/>
+          </a:xfrm>
+          <a:prstGeom prst="roundRect">
+            <a:avLst>
+              <a:gd name="adj" fmla="val 10183"/>
+            </a:avLst>
+          </a:prstGeom>
+          <a:ln>
+            <a:solidFill>
+              <a:schemeClr val="tx2"/>
+            </a:solidFill>
+          </a:ln>
+        </p:spPr>
+        <p:style>
+          <a:lnRef idx="2">
+            <a:schemeClr val="dk1"/>
+          </a:lnRef>
+          <a:fillRef idx="1">
+            <a:schemeClr val="lt1"/>
+          </a:fillRef>
+          <a:effectRef idx="0">
+            <a:schemeClr val="dk1"/>
+          </a:effectRef>
+          <a:fontRef idx="minor">
+            <a:schemeClr val="dk1"/>
+          </a:fontRef>
+        </p:style>
+        <p:txBody>
+          <a:bodyPr rtlCol="0" anchor="ctr"/>
+          <a:lstStyle/>
+          <a:p>
+            <a:pPr algn="ctr"/>
+            <a:r>
+              <a:rPr lang="en-US" altLang="ko-KR" sz="1400"/>
+              <a:t>4</a:t>
+            </a:r>
+            <a:endParaRPr lang="ko-KR" altLang="en-US" sz="1400"/>
+          </a:p>
+        </p:txBody>
+      </p:sp>
+      <p:cxnSp>
+        <p:nvCxnSpPr>
+          <p:cNvPr id="12" name="직선 화살표 연결선 11">
+            <a:extLst>
+              <a:ext uri="{FF2B5EF4-FFF2-40B4-BE49-F238E27FC236}">
+                <a16:creationId xmlns:a16="http://schemas.microsoft.com/office/drawing/2014/main" id="{DEC02A0D-362C-4B30-B108-5294BFC48AF4}"/>
+              </a:ext>
+            </a:extLst>
+          </p:cNvPr>
+          <p:cNvCxnSpPr>
+            <a:cxnSpLocks/>
+          </p:cNvCxnSpPr>
+          <p:nvPr/>
+        </p:nvCxnSpPr>
+        <p:spPr>
+          <a:xfrm>
+            <a:off x="5729883" y="3363837"/>
+            <a:ext cx="1886874" cy="1"/>
+          </a:xfrm>
+          <a:prstGeom prst="straightConnector1">
+            <a:avLst/>
+          </a:prstGeom>
+          <a:ln w="28575">
+            <a:solidFill>
+              <a:schemeClr val="tx1"/>
+            </a:solidFill>
+            <a:headEnd type="none" w="med" len="med"/>
+            <a:tailEnd type="arrow" w="med" len="med"/>
+          </a:ln>
+        </p:spPr>
+        <p:style>
+          <a:lnRef idx="1">
+            <a:schemeClr val="accent1"/>
+          </a:lnRef>
+          <a:fillRef idx="0">
+            <a:schemeClr val="accent1"/>
+          </a:fillRef>
+          <a:effectRef idx="0">
+            <a:schemeClr val="accent1"/>
+          </a:effectRef>
+          <a:fontRef idx="minor">
+            <a:schemeClr val="tx1"/>
+          </a:fontRef>
+        </p:style>
+      </p:cxnSp>
+      <p:cxnSp>
+        <p:nvCxnSpPr>
+          <p:cNvPr id="65" name="직선 화살표 연결선 64">
+            <a:extLst>
+              <a:ext uri="{FF2B5EF4-FFF2-40B4-BE49-F238E27FC236}">
+                <a16:creationId xmlns:a16="http://schemas.microsoft.com/office/drawing/2014/main" id="{80C5AEB6-A0F0-45CF-9429-D6A46411B6FB}"/>
+              </a:ext>
+            </a:extLst>
+          </p:cNvPr>
+          <p:cNvCxnSpPr>
+            <a:cxnSpLocks/>
+            <a:stCxn id="58" idx="1"/>
+            <a:endCxn id="66" idx="3"/>
+          </p:cNvCxnSpPr>
+          <p:nvPr/>
+        </p:nvCxnSpPr>
+        <p:spPr>
+          <a:xfrm flipH="1">
+            <a:off x="3431628" y="3252403"/>
+            <a:ext cx="1448161" cy="471475"/>
+          </a:xfrm>
+          <a:prstGeom prst="straightConnector1">
+            <a:avLst/>
+          </a:prstGeom>
+          <a:ln w="28575">
+            <a:solidFill>
+              <a:schemeClr val="tx1"/>
+            </a:solidFill>
+            <a:headEnd type="none" w="med" len="med"/>
+            <a:tailEnd type="arrow" w="med" len="med"/>
+          </a:ln>
+        </p:spPr>
+        <p:style>
+          <a:lnRef idx="1">
+            <a:schemeClr val="accent1"/>
+          </a:lnRef>
+          <a:fillRef idx="0">
+            <a:schemeClr val="accent1"/>
+          </a:fillRef>
+          <a:effectRef idx="0">
+            <a:schemeClr val="accent1"/>
+          </a:effectRef>
+          <a:fontRef idx="minor">
+            <a:schemeClr val="tx1"/>
+          </a:fontRef>
+        </p:style>
+      </p:cxnSp>
+      <p:sp>
+        <p:nvSpPr>
+          <p:cNvPr id="66" name="사각형: 둥근 모서리 65">
+            <a:extLst>
+              <a:ext uri="{FF2B5EF4-FFF2-40B4-BE49-F238E27FC236}">
+                <a16:creationId xmlns:a16="http://schemas.microsoft.com/office/drawing/2014/main" id="{4DF30625-E160-48B9-80B5-F556BC3B1011}"/>
+              </a:ext>
+            </a:extLst>
+          </p:cNvPr>
+          <p:cNvSpPr/>
+          <p:nvPr/>
+        </p:nvSpPr>
+        <p:spPr>
+          <a:xfrm>
+            <a:off x="3071588" y="3547281"/>
+            <a:ext cx="360040" cy="353194"/>
+          </a:xfrm>
+          <a:prstGeom prst="roundRect">
+            <a:avLst>
+              <a:gd name="adj" fmla="val 10183"/>
+            </a:avLst>
+          </a:prstGeom>
+          <a:ln>
+            <a:solidFill>
+              <a:schemeClr val="tx2"/>
+            </a:solidFill>
+          </a:ln>
+        </p:spPr>
+        <p:style>
+          <a:lnRef idx="2">
+            <a:schemeClr val="dk1"/>
+          </a:lnRef>
+          <a:fillRef idx="1">
+            <a:schemeClr val="lt1"/>
+          </a:fillRef>
+          <a:effectRef idx="0">
+            <a:schemeClr val="dk1"/>
+          </a:effectRef>
+          <a:fontRef idx="minor">
+            <a:schemeClr val="dk1"/>
+          </a:fontRef>
+        </p:style>
+        <p:txBody>
+          <a:bodyPr rtlCol="0" anchor="ctr"/>
+          <a:lstStyle/>
+          <a:p>
+            <a:pPr algn="ctr"/>
+            <a:r>
+              <a:rPr lang="en-US" altLang="ko-KR" sz="1400"/>
+              <a:t>1</a:t>
+            </a:r>
+            <a:endParaRPr lang="ko-KR" altLang="en-US" sz="1400"/>
+          </a:p>
+        </p:txBody>
+      </p:sp>
+      <p:sp>
+        <p:nvSpPr>
+          <p:cNvPr id="68" name="사각형: 둥근 모서리 67">
+            <a:extLst>
+              <a:ext uri="{FF2B5EF4-FFF2-40B4-BE49-F238E27FC236}">
+                <a16:creationId xmlns:a16="http://schemas.microsoft.com/office/drawing/2014/main" id="{F082E838-3BD3-41CE-822A-EF6CEA02660D}"/>
+              </a:ext>
+            </a:extLst>
+          </p:cNvPr>
+          <p:cNvSpPr/>
+          <p:nvPr/>
+        </p:nvSpPr>
+        <p:spPr>
+          <a:xfrm>
+            <a:off x="1263387" y="4524044"/>
+            <a:ext cx="360040" cy="353194"/>
+          </a:xfrm>
+          <a:prstGeom prst="roundRect">
+            <a:avLst>
+              <a:gd name="adj" fmla="val 10183"/>
+            </a:avLst>
+          </a:prstGeom>
+          <a:ln>
+            <a:solidFill>
+              <a:srgbClr val="C00000"/>
+            </a:solidFill>
+          </a:ln>
+        </p:spPr>
+        <p:style>
+          <a:lnRef idx="2">
+            <a:schemeClr val="dk1"/>
+          </a:lnRef>
+          <a:fillRef idx="1">
+            <a:schemeClr val="lt1"/>
+          </a:fillRef>
+          <a:effectRef idx="0">
+            <a:schemeClr val="dk1"/>
+          </a:effectRef>
+          <a:fontRef idx="minor">
+            <a:schemeClr val="dk1"/>
+          </a:fontRef>
+        </p:style>
+        <p:txBody>
+          <a:bodyPr rtlCol="0" anchor="ctr"/>
+          <a:lstStyle/>
+          <a:p>
+            <a:pPr algn="ctr"/>
+            <a:endParaRPr lang="ko-KR" altLang="en-US" sz="1400"/>
+          </a:p>
+        </p:txBody>
+      </p:sp>
+      <p:sp>
+        <p:nvSpPr>
+          <p:cNvPr id="69" name="TextBox 68">
+            <a:extLst>
+              <a:ext uri="{FF2B5EF4-FFF2-40B4-BE49-F238E27FC236}">
+                <a16:creationId xmlns:a16="http://schemas.microsoft.com/office/drawing/2014/main" id="{07F129D2-FE8F-45D2-AED9-6C91E9FB94C5}"/>
+              </a:ext>
+            </a:extLst>
+          </p:cNvPr>
+          <p:cNvSpPr txBox="1"/>
+          <p:nvPr/>
+        </p:nvSpPr>
+        <p:spPr>
+          <a:xfrm>
+            <a:off x="1623427" y="4546752"/>
+            <a:ext cx="1334468" cy="307777"/>
+          </a:xfrm>
+          <a:prstGeom prst="rect">
+            <a:avLst/>
+          </a:prstGeom>
+          <a:noFill/>
+        </p:spPr>
+        <p:txBody>
+          <a:bodyPr wrap="none" rtlCol="0">
+            <a:spAutoFit/>
+          </a:bodyPr>
+          <a:lstStyle/>
+          <a:p>
+            <a:pPr algn="ctr"/>
+            <a:r>
+              <a:rPr lang="en-US" altLang="ko-KR" sz="1400"/>
+              <a:t>Primary Shard</a:t>
+            </a:r>
+            <a:endParaRPr lang="ko-KR" altLang="en-US" sz="1400"/>
+          </a:p>
+        </p:txBody>
+      </p:sp>
+      <p:sp>
+        <p:nvSpPr>
+          <p:cNvPr id="70" name="사각형: 둥근 모서리 69">
+            <a:extLst>
+              <a:ext uri="{FF2B5EF4-FFF2-40B4-BE49-F238E27FC236}">
+                <a16:creationId xmlns:a16="http://schemas.microsoft.com/office/drawing/2014/main" id="{BF78744A-F0C7-4539-AE52-7B80E6CC602A}"/>
+              </a:ext>
+            </a:extLst>
+          </p:cNvPr>
+          <p:cNvSpPr/>
+          <p:nvPr/>
+        </p:nvSpPr>
+        <p:spPr>
+          <a:xfrm>
+            <a:off x="3037510" y="4524044"/>
+            <a:ext cx="360040" cy="353194"/>
+          </a:xfrm>
+          <a:prstGeom prst="roundRect">
+            <a:avLst>
+              <a:gd name="adj" fmla="val 10183"/>
+            </a:avLst>
+          </a:prstGeom>
+          <a:ln>
+            <a:solidFill>
+              <a:schemeClr val="tx2"/>
+            </a:solidFill>
+          </a:ln>
+        </p:spPr>
+        <p:style>
+          <a:lnRef idx="2">
+            <a:schemeClr val="dk1"/>
+          </a:lnRef>
+          <a:fillRef idx="1">
+            <a:schemeClr val="lt1"/>
+          </a:fillRef>
+          <a:effectRef idx="0">
+            <a:schemeClr val="dk1"/>
+          </a:effectRef>
+          <a:fontRef idx="minor">
+            <a:schemeClr val="dk1"/>
+          </a:fontRef>
+        </p:style>
+        <p:txBody>
+          <a:bodyPr rtlCol="0" anchor="ctr"/>
+          <a:lstStyle/>
+          <a:p>
+            <a:pPr algn="ctr"/>
+            <a:endParaRPr lang="ko-KR" altLang="en-US" sz="1400"/>
+          </a:p>
+        </p:txBody>
+      </p:sp>
+      <p:sp>
+        <p:nvSpPr>
+          <p:cNvPr id="71" name="TextBox 70">
+            <a:extLst>
+              <a:ext uri="{FF2B5EF4-FFF2-40B4-BE49-F238E27FC236}">
+                <a16:creationId xmlns:a16="http://schemas.microsoft.com/office/drawing/2014/main" id="{A4330511-29E2-425C-8CDF-BE4B9C49DD59}"/>
+              </a:ext>
+            </a:extLst>
+          </p:cNvPr>
+          <p:cNvSpPr txBox="1"/>
+          <p:nvPr/>
+        </p:nvSpPr>
+        <p:spPr>
+          <a:xfrm>
+            <a:off x="3397550" y="4546752"/>
+            <a:ext cx="759503" cy="307777"/>
+          </a:xfrm>
+          <a:prstGeom prst="rect">
+            <a:avLst/>
+          </a:prstGeom>
+          <a:noFill/>
+        </p:spPr>
+        <p:txBody>
+          <a:bodyPr wrap="none" rtlCol="0">
+            <a:spAutoFit/>
+          </a:bodyPr>
+          <a:lstStyle/>
+          <a:p>
+            <a:pPr algn="ctr"/>
+            <a:r>
+              <a:rPr lang="en-US" altLang="ko-KR" sz="1400"/>
+              <a:t>Replica</a:t>
+            </a:r>
+            <a:endParaRPr lang="ko-KR" altLang="en-US" sz="1400"/>
+          </a:p>
+        </p:txBody>
+      </p:sp>
+    </p:spTree>
+    <p:extLst>
+      <p:ext uri="{BB962C8B-B14F-4D97-AF65-F5344CB8AC3E}">
+        <p14:creationId xmlns:p14="http://schemas.microsoft.com/office/powerpoint/2010/main" val="1449794215"/>
+      </p:ext>
+    </p:extLst>
+  </p:cSld>
+  <p:clrMapOvr>
+    <a:masterClrMapping/>
+  </p:clrMapOvr>
+</p:sld>
+</file>
+
+<file path=ppt/slides/slide3.xml><?xml version="1.0" encoding="utf-8"?>
 <p:sld xmlns:a="http://schemas.openxmlformats.org/drawingml/2006/main" xmlns:r="http://schemas.openxmlformats.org/officeDocument/2006/relationships" xmlns:p="http://schemas.openxmlformats.org/presentationml/2006/main">
   <p:cSld>
     <p:spTree>

--- a/images/theory_analysis/Elasticsearch_Data_Management/Elasticsearch_Data_Management.pptx
+++ b/images/theory_analysis/Elasticsearch_Data_Management/Elasticsearch_Data_Management.pptx
@@ -215,7 +215,7 @@
           <a:p>
             <a:fld id="{6CD5550B-26C4-49A9-A5BA-636EF7BE6CE9}" type="datetimeFigureOut">
               <a:rPr lang="ko-KR" altLang="en-US" smtClean="0"/>
-              <a:t>2020-05-06</a:t>
+              <a:t>2020-05-07</a:t>
             </a:fld>
             <a:endParaRPr lang="ko-KR" altLang="en-US"/>
           </a:p>
@@ -661,7 +661,7 @@
           <a:p>
             <a:fld id="{FB30EDBD-1C2D-4C1E-B459-B60219FAB484}" type="datetimeFigureOut">
               <a:rPr lang="ko-KR" altLang="en-US" smtClean="0"/>
-              <a:t>2020-05-06</a:t>
+              <a:t>2020-05-07</a:t>
             </a:fld>
             <a:endParaRPr lang="ko-KR" altLang="en-US"/>
           </a:p>
@@ -824,7 +824,7 @@
           <a:p>
             <a:fld id="{FB30EDBD-1C2D-4C1E-B459-B60219FAB484}" type="datetimeFigureOut">
               <a:rPr lang="ko-KR" altLang="en-US" smtClean="0"/>
-              <a:t>2020-05-06</a:t>
+              <a:t>2020-05-07</a:t>
             </a:fld>
             <a:endParaRPr lang="ko-KR" altLang="en-US"/>
           </a:p>
@@ -997,7 +997,7 @@
           <a:p>
             <a:fld id="{FB30EDBD-1C2D-4C1E-B459-B60219FAB484}" type="datetimeFigureOut">
               <a:rPr lang="ko-KR" altLang="en-US" smtClean="0"/>
-              <a:t>2020-05-06</a:t>
+              <a:t>2020-05-07</a:t>
             </a:fld>
             <a:endParaRPr lang="ko-KR" altLang="en-US"/>
           </a:p>
@@ -1160,7 +1160,7 @@
           <a:p>
             <a:fld id="{FB30EDBD-1C2D-4C1E-B459-B60219FAB484}" type="datetimeFigureOut">
               <a:rPr lang="ko-KR" altLang="en-US" smtClean="0"/>
-              <a:t>2020-05-06</a:t>
+              <a:t>2020-05-07</a:t>
             </a:fld>
             <a:endParaRPr lang="ko-KR" altLang="en-US"/>
           </a:p>
@@ -1400,7 +1400,7 @@
           <a:p>
             <a:fld id="{FB30EDBD-1C2D-4C1E-B459-B60219FAB484}" type="datetimeFigureOut">
               <a:rPr lang="ko-KR" altLang="en-US" smtClean="0"/>
-              <a:t>2020-05-06</a:t>
+              <a:t>2020-05-07</a:t>
             </a:fld>
             <a:endParaRPr lang="ko-KR" altLang="en-US"/>
           </a:p>
@@ -1680,7 +1680,7 @@
           <a:p>
             <a:fld id="{FB30EDBD-1C2D-4C1E-B459-B60219FAB484}" type="datetimeFigureOut">
               <a:rPr lang="ko-KR" altLang="en-US" smtClean="0"/>
-              <a:t>2020-05-06</a:t>
+              <a:t>2020-05-07</a:t>
             </a:fld>
             <a:endParaRPr lang="ko-KR" altLang="en-US"/>
           </a:p>
@@ -2094,7 +2094,7 @@
           <a:p>
             <a:fld id="{FB30EDBD-1C2D-4C1E-B459-B60219FAB484}" type="datetimeFigureOut">
               <a:rPr lang="ko-KR" altLang="en-US" smtClean="0"/>
-              <a:t>2020-05-06</a:t>
+              <a:t>2020-05-07</a:t>
             </a:fld>
             <a:endParaRPr lang="ko-KR" altLang="en-US"/>
           </a:p>
@@ -2206,7 +2206,7 @@
           <a:p>
             <a:fld id="{FB30EDBD-1C2D-4C1E-B459-B60219FAB484}" type="datetimeFigureOut">
               <a:rPr lang="ko-KR" altLang="en-US" smtClean="0"/>
-              <a:t>2020-05-06</a:t>
+              <a:t>2020-05-07</a:t>
             </a:fld>
             <a:endParaRPr lang="ko-KR" altLang="en-US"/>
           </a:p>
@@ -2296,7 +2296,7 @@
           <a:p>
             <a:fld id="{FB30EDBD-1C2D-4C1E-B459-B60219FAB484}" type="datetimeFigureOut">
               <a:rPr lang="ko-KR" altLang="en-US" smtClean="0"/>
-              <a:t>2020-05-06</a:t>
+              <a:t>2020-05-07</a:t>
             </a:fld>
             <a:endParaRPr lang="ko-KR" altLang="en-US"/>
           </a:p>
@@ -2566,7 +2566,7 @@
           <a:p>
             <a:fld id="{FB30EDBD-1C2D-4C1E-B459-B60219FAB484}" type="datetimeFigureOut">
               <a:rPr lang="ko-KR" altLang="en-US" smtClean="0"/>
-              <a:t>2020-05-06</a:t>
+              <a:t>2020-05-07</a:t>
             </a:fld>
             <a:endParaRPr lang="ko-KR" altLang="en-US"/>
           </a:p>
@@ -2813,7 +2813,7 @@
           <a:p>
             <a:fld id="{FB30EDBD-1C2D-4C1E-B459-B60219FAB484}" type="datetimeFigureOut">
               <a:rPr lang="ko-KR" altLang="en-US" smtClean="0"/>
-              <a:t>2020-05-06</a:t>
+              <a:t>2020-05-07</a:t>
             </a:fld>
             <a:endParaRPr lang="ko-KR" altLang="en-US"/>
           </a:p>
@@ -3019,7 +3019,7 @@
           <a:p>
             <a:fld id="{FB30EDBD-1C2D-4C1E-B459-B60219FAB484}" type="datetimeFigureOut">
               <a:rPr lang="ko-KR" altLang="en-US" smtClean="0"/>
-              <a:t>2020-05-06</a:t>
+              <a:t>2020-05-07</a:t>
             </a:fld>
             <a:endParaRPr lang="ko-KR" altLang="en-US"/>
           </a:p>
@@ -5906,8 +5906,8 @@
         </p:nvCxnSpPr>
         <p:spPr>
           <a:xfrm>
-            <a:off x="5729883" y="3363837"/>
-            <a:ext cx="1886874" cy="1"/>
+            <a:off x="4387066" y="3363838"/>
+            <a:ext cx="3229691" cy="0"/>
           </a:xfrm>
           <a:prstGeom prst="straightConnector1">
             <a:avLst/>
@@ -5946,15 +5946,15 @@
           </p:cNvPr>
           <p:cNvCxnSpPr>
             <a:cxnSpLocks/>
-            <a:stCxn id="58" idx="1"/>
+            <a:stCxn id="61" idx="2"/>
             <a:endCxn id="66" idx="3"/>
           </p:cNvCxnSpPr>
           <p:nvPr/>
         </p:nvCxnSpPr>
         <p:spPr>
           <a:xfrm flipH="1">
-            <a:off x="3431628" y="3252403"/>
-            <a:ext cx="1448161" cy="471475"/>
+            <a:off x="3431628" y="3429000"/>
+            <a:ext cx="3434381" cy="294878"/>
           </a:xfrm>
           <a:prstGeom prst="straightConnector1">
             <a:avLst/>
